--- a/img/timeline.pptx
+++ b/img/timeline.pptx
@@ -268,7 +268,7 @@
       <p15:sldGuideLst xmlns:p15="http://schemas.microsoft.com/office/powerpoint/2012/main"/>
     </p:ext>
     <p:ext uri="http://customooxmlschemas.google.com/">
-      <go:slidesCustomData xmlns:go="http://customooxmlschemas.google.com/" xmlns:ahyp="http://schemas.microsoft.com/office/drawing/2018/hyperlinkcolor" xmlns:p15="http://schemas.microsoft.com/office/powerpoint/2012/main" xmlns:p14="http://schemas.microsoft.com/office/powerpoint/2010/main" xmlns:com="http://schemas.openxmlformats.org/drawingml/2006/compatibility" xmlns:pvml="urn:schemas-microsoft-com:office:powerpoint" xmlns:v="urn:schemas-microsoft-com:vml" xmlns:o="urn:schemas-microsoft-com:office:office" xmlns:dgm="http://schemas.openxmlformats.org/drawingml/2006/diagram" xmlns:c="http://schemas.openxmlformats.org/drawingml/2006/chart" xmlns:mv="urn:schemas-microsoft-com:mac:vml" xmlns:mc="http://schemas.openxmlformats.org/markup-compatibility/2006" xmlns="" r:id="rId27" roundtripDataSignature="AMtx7mgXCS851pMlIGszE/Y1tIc7IY3bFA=="/>
+      <go:slidesCustomData xmlns="" xmlns:mc="http://schemas.openxmlformats.org/markup-compatibility/2006" xmlns:mv="urn:schemas-microsoft-com:mac:vml" xmlns:c="http://schemas.openxmlformats.org/drawingml/2006/chart" xmlns:dgm="http://schemas.openxmlformats.org/drawingml/2006/diagram" xmlns:o="urn:schemas-microsoft-com:office:office" xmlns:v="urn:schemas-microsoft-com:vml" xmlns:pvml="urn:schemas-microsoft-com:office:powerpoint" xmlns:com="http://schemas.openxmlformats.org/drawingml/2006/compatibility" xmlns:p14="http://schemas.microsoft.com/office/powerpoint/2010/main" xmlns:p15="http://schemas.microsoft.com/office/powerpoint/2012/main" xmlns:ahyp="http://schemas.microsoft.com/office/drawing/2018/hyperlinkcolor" xmlns:go="http://customooxmlschemas.google.com/" r:id="rId27" roundtripDataSignature="AMtx7mgXCS851pMlIGszE/Y1tIc7IY3bFA=="/>
     </p:ext>
   </p:extLst>
 </p:presentation>
@@ -11979,7 +11979,7 @@
         </p:nvCxnSpPr>
         <p:spPr>
           <a:xfrm flipV="1">
-            <a:off x="1776270" y="3165721"/>
+            <a:off x="1975966" y="3165721"/>
             <a:ext cx="0" cy="379017"/>
           </a:xfrm>
           <a:prstGeom prst="line">
@@ -12064,7 +12064,7 @@
         </p:nvCxnSpPr>
         <p:spPr>
           <a:xfrm flipV="1">
-            <a:off x="2119940" y="2786704"/>
+            <a:off x="2319636" y="2786704"/>
             <a:ext cx="0" cy="379017"/>
           </a:xfrm>
           <a:prstGeom prst="line">
@@ -12105,7 +12105,7 @@
         </p:nvSpPr>
         <p:spPr>
           <a:xfrm>
-            <a:off x="1857331" y="3251377"/>
+            <a:off x="2057027" y="3251377"/>
             <a:ext cx="525217" cy="161583"/>
           </a:xfrm>
           <a:prstGeom prst="rect">
@@ -12128,7 +12128,7 @@
                 <a:latin typeface="Roboto Condensed" panose="02000000000000000000" pitchFamily="2" charset="0"/>
                 <a:ea typeface="Roboto Condensed" panose="02000000000000000000" pitchFamily="2" charset="0"/>
               </a:rPr>
-              <a:t>1969</a:t>
+              <a:t>1971</a:t>
             </a:r>
           </a:p>
         </p:txBody>
@@ -12147,7 +12147,7 @@
         </p:nvSpPr>
         <p:spPr>
           <a:xfrm>
-            <a:off x="1795466" y="2589157"/>
+            <a:off x="1995162" y="2589157"/>
             <a:ext cx="648945" cy="258010"/>
           </a:xfrm>
           <a:prstGeom prst="roundRect">
